--- a/OpenCv and Deep Learning pushup counter app/Team_Paladins_Demo.pptx
+++ b/OpenCv and Deep Learning pushup counter app/Team_Paladins_Demo.pptx
@@ -116,7 +116,7 @@
   </p:defaultTextStyle>
   <p:extLst>
     <p:ext uri="{EFAFB233-063F-42B5-8137-9DF3F51BA10A}">
-      <p15:sldGuideLst xmlns:p15="http://schemas.microsoft.com/office/powerpoint/2012/main" xmlns="">
+      <p15:sldGuideLst xmlns:p15="http://schemas.microsoft.com/office/powerpoint/2012/main">
         <p15:guide id="1" orient="horz" pos="1620">
           <p15:clr>
             <a:srgbClr val="A4A3A4"/>
@@ -131,10 +131,6 @@
     </p:ext>
   </p:extLst>
 </p:presentation>
-</file>
-
-<file path=ppt/revisionInfo.xml><?xml version="1.0" encoding="utf-8"?>
-<p1510:revInfo xmlns:a="http://schemas.openxmlformats.org/drawingml/2006/main" xmlns:r="http://schemas.openxmlformats.org/officeDocument/2006/relationships" xmlns:p1510="http://schemas.microsoft.com/office/powerpoint/2015/10/main"/>
 </file>
 
 <file path=ppt/notesMasters/notesMaster1.xml><?xml version="1.0" encoding="utf-8"?>
@@ -220,7 +216,7 @@
             <a:fld id="{C8D18E60-4300-4729-A0D7-6AB984C3922D}" type="datetimeFigureOut">
               <a:rPr lang="en-US" smtClean="0"/>
               <a:pPr/>
-              <a:t>10/27/2021</a:t>
+              <a:t>8/9/2022</a:t>
             </a:fld>
             <a:endParaRPr lang="en-US"/>
           </a:p>
@@ -388,7 +384,7 @@
     </p:spTree>
     <p:extLst>
       <p:ext uri="{BB962C8B-B14F-4D97-AF65-F5344CB8AC3E}">
-        <p14:creationId xmlns="" xmlns:p14="http://schemas.microsoft.com/office/powerpoint/2010/main" val="2844300161"/>
+        <p14:creationId xmlns:p14="http://schemas.microsoft.com/office/powerpoint/2010/main" val="2844300161"/>
       </p:ext>
     </p:extLst>
   </p:cSld>
@@ -643,20 +639,12 @@
               <a:rPr lang="en-US" dirty="0"/>
               <a:t>Click to edit </a:t>
             </a:r>
-            <a:r>
-              <a:rPr lang="en-US" dirty="0" smtClean="0"/>
-              <a:t/>
-            </a:r>
             <a:br>
-              <a:rPr lang="en-US" dirty="0" smtClean="0"/>
+              <a:rPr lang="en-US" dirty="0"/>
             </a:br>
             <a:r>
-              <a:rPr lang="en-US" dirty="0" smtClean="0"/>
-              <a:t>Master </a:t>
-            </a:r>
-            <a:r>
               <a:rPr lang="en-US" dirty="0"/>
-              <a:t>title style</a:t>
+              <a:t>Master title style</a:t>
             </a:r>
           </a:p>
         </p:txBody>
@@ -774,15 +762,7 @@
           <a:p>
             <a:r>
               <a:rPr lang="en-US" dirty="0"/>
-              <a:t>Click to edit </a:t>
-            </a:r>
-            <a:r>
-              <a:rPr lang="en-US" dirty="0" smtClean="0"/>
-              <a:t>Master </a:t>
-            </a:r>
-            <a:r>
-              <a:rPr lang="en-US" dirty="0"/>
-              <a:t>subtitle style</a:t>
+              <a:t>Click to edit Master subtitle style</a:t>
             </a:r>
           </a:p>
         </p:txBody>
@@ -805,7 +785,7 @@
             <a:fld id="{53074F12-AA26-4AC8-9962-C36BB8F32554}" type="datetimeFigureOut">
               <a:rPr lang="en-US" smtClean="0"/>
               <a:pPr/>
-              <a:t>10/27/2021</a:t>
+              <a:t>8/9/2022</a:t>
             </a:fld>
             <a:endParaRPr lang="en-US"/>
           </a:p>
@@ -857,7 +837,7 @@
     </p:spTree>
     <p:extLst>
       <p:ext uri="{BB962C8B-B14F-4D97-AF65-F5344CB8AC3E}">
-        <p14:creationId xmlns="" xmlns:p14="http://schemas.microsoft.com/office/powerpoint/2010/main" val="3253875174"/>
+        <p14:creationId xmlns:p14="http://schemas.microsoft.com/office/powerpoint/2010/main" val="3253875174"/>
       </p:ext>
     </p:extLst>
   </p:cSld>
@@ -1059,7 +1039,7 @@
             <a:fld id="{53074F12-AA26-4AC8-9962-C36BB8F32554}" type="datetimeFigureOut">
               <a:rPr lang="en-US" smtClean="0"/>
               <a:pPr/>
-              <a:t>10/27/2021</a:t>
+              <a:t>8/9/2022</a:t>
             </a:fld>
             <a:endParaRPr lang="en-US"/>
           </a:p>
@@ -1111,7 +1091,7 @@
     </p:spTree>
     <p:extLst>
       <p:ext uri="{BB962C8B-B14F-4D97-AF65-F5344CB8AC3E}">
-        <p14:creationId xmlns="" xmlns:p14="http://schemas.microsoft.com/office/powerpoint/2010/main" val="477607843"/>
+        <p14:creationId xmlns:p14="http://schemas.microsoft.com/office/powerpoint/2010/main" val="477607843"/>
       </p:ext>
     </p:extLst>
   </p:cSld>
@@ -1229,7 +1209,7 @@
             <a:fld id="{53074F12-AA26-4AC8-9962-C36BB8F32554}" type="datetimeFigureOut">
               <a:rPr lang="en-US" smtClean="0"/>
               <a:pPr/>
-              <a:t>10/27/2021</a:t>
+              <a:t>8/9/2022</a:t>
             </a:fld>
             <a:endParaRPr lang="en-US"/>
           </a:p>
@@ -1281,7 +1261,7 @@
     </p:spTree>
     <p:extLst>
       <p:ext uri="{BB962C8B-B14F-4D97-AF65-F5344CB8AC3E}">
-        <p14:creationId xmlns="" xmlns:p14="http://schemas.microsoft.com/office/powerpoint/2010/main" val="3428665726"/>
+        <p14:creationId xmlns:p14="http://schemas.microsoft.com/office/powerpoint/2010/main" val="3428665726"/>
       </p:ext>
     </p:extLst>
   </p:cSld>
@@ -1409,7 +1389,7 @@
             <a:fld id="{53074F12-AA26-4AC8-9962-C36BB8F32554}" type="datetimeFigureOut">
               <a:rPr lang="en-US" smtClean="0"/>
               <a:pPr/>
-              <a:t>10/27/2021</a:t>
+              <a:t>8/9/2022</a:t>
             </a:fld>
             <a:endParaRPr lang="en-US"/>
           </a:p>
@@ -1463,7 +1443,7 @@
           <p:cNvPr id="7" name="Picture 6" descr="E:\websites\free-power-point-templates\2012\logos.png">
             <a:extLst>
               <a:ext uri="{FF2B5EF4-FFF2-40B4-BE49-F238E27FC236}">
-                <a16:creationId xmlns:a16="http://schemas.microsoft.com/office/drawing/2014/main" xmlns="" id="{08B89D22-1D6E-450B-881F-4D2A4C527F72}"/>
+                <a16:creationId xmlns:a16="http://schemas.microsoft.com/office/drawing/2014/main" id="{08B89D22-1D6E-450B-881F-4D2A4C527F72}"/>
               </a:ext>
             </a:extLst>
           </p:cNvPr>
@@ -1476,7 +1456,7 @@
           <a:blip r:embed="rId2" cstate="print">
             <a:extLst>
               <a:ext uri="{28A0092B-C50C-407E-A947-70E740481C1C}">
-                <a14:useLocalDpi xmlns="" xmlns:a14="http://schemas.microsoft.com/office/drawing/2010/main" val="0"/>
+                <a14:useLocalDpi xmlns:a14="http://schemas.microsoft.com/office/drawing/2010/main" val="0"/>
               </a:ext>
             </a:extLst>
           </a:blip>
@@ -1498,7 +1478,7 @@
           </a:ln>
           <a:extLst>
             <a:ext uri="{909E8E84-426E-40DD-AFC4-6F175D3DCCD1}">
-              <a14:hiddenFill xmlns="" xmlns:a14="http://schemas.microsoft.com/office/drawing/2010/main">
+              <a14:hiddenFill xmlns:a14="http://schemas.microsoft.com/office/drawing/2010/main">
                 <a:solidFill>
                   <a:srgbClr val="FFFFFF"/>
                 </a:solidFill>
@@ -1510,7 +1490,7 @@
     </p:spTree>
     <p:extLst>
       <p:ext uri="{BB962C8B-B14F-4D97-AF65-F5344CB8AC3E}">
-        <p14:creationId xmlns="" xmlns:p14="http://schemas.microsoft.com/office/powerpoint/2010/main" val="893609949"/>
+        <p14:creationId xmlns:p14="http://schemas.microsoft.com/office/powerpoint/2010/main" val="893609949"/>
       </p:ext>
     </p:extLst>
   </p:cSld>
@@ -1691,7 +1671,7 @@
             <a:fld id="{53074F12-AA26-4AC8-9962-C36BB8F32554}" type="datetimeFigureOut">
               <a:rPr lang="en-US" smtClean="0"/>
               <a:pPr/>
-              <a:t>10/27/2021</a:t>
+              <a:t>8/9/2022</a:t>
             </a:fld>
             <a:endParaRPr lang="en-US"/>
           </a:p>
@@ -1743,7 +1723,7 @@
     </p:spTree>
     <p:extLst>
       <p:ext uri="{BB962C8B-B14F-4D97-AF65-F5344CB8AC3E}">
-        <p14:creationId xmlns="" xmlns:p14="http://schemas.microsoft.com/office/powerpoint/2010/main" val="1664471362"/>
+        <p14:creationId xmlns:p14="http://schemas.microsoft.com/office/powerpoint/2010/main" val="1664471362"/>
       </p:ext>
     </p:extLst>
   </p:cSld>
@@ -1938,7 +1918,7 @@
             <a:fld id="{53074F12-AA26-4AC8-9962-C36BB8F32554}" type="datetimeFigureOut">
               <a:rPr lang="en-US" smtClean="0"/>
               <a:pPr/>
-              <a:t>10/27/2021</a:t>
+              <a:t>8/9/2022</a:t>
             </a:fld>
             <a:endParaRPr lang="en-US"/>
           </a:p>
@@ -1990,7 +1970,7 @@
     </p:spTree>
     <p:extLst>
       <p:ext uri="{BB962C8B-B14F-4D97-AF65-F5344CB8AC3E}">
-        <p14:creationId xmlns="" xmlns:p14="http://schemas.microsoft.com/office/powerpoint/2010/main" val="1629391393"/>
+        <p14:creationId xmlns:p14="http://schemas.microsoft.com/office/powerpoint/2010/main" val="1629391393"/>
       </p:ext>
     </p:extLst>
   </p:cSld>
@@ -2185,7 +2165,7 @@
             <a:fld id="{53074F12-AA26-4AC8-9962-C36BB8F32554}" type="datetimeFigureOut">
               <a:rPr lang="en-US" smtClean="0"/>
               <a:pPr/>
-              <a:t>10/27/2021</a:t>
+              <a:t>8/9/2022</a:t>
             </a:fld>
             <a:endParaRPr lang="en-US"/>
           </a:p>
@@ -2237,7 +2217,7 @@
     </p:spTree>
     <p:extLst>
       <p:ext uri="{BB962C8B-B14F-4D97-AF65-F5344CB8AC3E}">
-        <p14:creationId xmlns="" xmlns:p14="http://schemas.microsoft.com/office/powerpoint/2010/main" val="3863441575"/>
+        <p14:creationId xmlns:p14="http://schemas.microsoft.com/office/powerpoint/2010/main" val="3863441575"/>
       </p:ext>
     </p:extLst>
   </p:cSld>
@@ -2472,7 +2452,7 @@
             <a:fld id="{53074F12-AA26-4AC8-9962-C36BB8F32554}" type="datetimeFigureOut">
               <a:rPr lang="en-US" smtClean="0"/>
               <a:pPr/>
-              <a:t>10/27/2021</a:t>
+              <a:t>8/9/2022</a:t>
             </a:fld>
             <a:endParaRPr lang="en-US"/>
           </a:p>
@@ -2524,7 +2504,7 @@
     </p:spTree>
     <p:extLst>
       <p:ext uri="{BB962C8B-B14F-4D97-AF65-F5344CB8AC3E}">
-        <p14:creationId xmlns="" xmlns:p14="http://schemas.microsoft.com/office/powerpoint/2010/main" val="3556791830"/>
+        <p14:creationId xmlns:p14="http://schemas.microsoft.com/office/powerpoint/2010/main" val="3556791830"/>
       </p:ext>
     </p:extLst>
   </p:cSld>
@@ -2959,7 +2939,7 @@
             <a:fld id="{53074F12-AA26-4AC8-9962-C36BB8F32554}" type="datetimeFigureOut">
               <a:rPr lang="en-US" smtClean="0"/>
               <a:pPr/>
-              <a:t>10/27/2021</a:t>
+              <a:t>8/9/2022</a:t>
             </a:fld>
             <a:endParaRPr lang="en-US"/>
           </a:p>
@@ -3011,7 +2991,7 @@
     </p:spTree>
     <p:extLst>
       <p:ext uri="{BB962C8B-B14F-4D97-AF65-F5344CB8AC3E}">
-        <p14:creationId xmlns="" xmlns:p14="http://schemas.microsoft.com/office/powerpoint/2010/main" val="4122911988"/>
+        <p14:creationId xmlns:p14="http://schemas.microsoft.com/office/powerpoint/2010/main" val="4122911988"/>
       </p:ext>
     </p:extLst>
   </p:cSld>
@@ -3078,7 +3058,7 @@
             <a:fld id="{53074F12-AA26-4AC8-9962-C36BB8F32554}" type="datetimeFigureOut">
               <a:rPr lang="en-US" smtClean="0"/>
               <a:pPr/>
-              <a:t>10/27/2021</a:t>
+              <a:t>8/9/2022</a:t>
             </a:fld>
             <a:endParaRPr lang="en-US"/>
           </a:p>
@@ -3130,7 +3110,7 @@
     </p:spTree>
     <p:extLst>
       <p:ext uri="{BB962C8B-B14F-4D97-AF65-F5344CB8AC3E}">
-        <p14:creationId xmlns="" xmlns:p14="http://schemas.microsoft.com/office/powerpoint/2010/main" val="3029773110"/>
+        <p14:creationId xmlns:p14="http://schemas.microsoft.com/office/powerpoint/2010/main" val="3029773110"/>
       </p:ext>
     </p:extLst>
   </p:cSld>
@@ -3175,7 +3155,7 @@
             <a:fld id="{53074F12-AA26-4AC8-9962-C36BB8F32554}" type="datetimeFigureOut">
               <a:rPr lang="en-US" smtClean="0"/>
               <a:pPr/>
-              <a:t>10/27/2021</a:t>
+              <a:t>8/9/2022</a:t>
             </a:fld>
             <a:endParaRPr lang="en-US"/>
           </a:p>
@@ -3227,7 +3207,7 @@
     </p:spTree>
     <p:extLst>
       <p:ext uri="{BB962C8B-B14F-4D97-AF65-F5344CB8AC3E}">
-        <p14:creationId xmlns="" xmlns:p14="http://schemas.microsoft.com/office/powerpoint/2010/main" val="4251864075"/>
+        <p14:creationId xmlns:p14="http://schemas.microsoft.com/office/powerpoint/2010/main" val="4251864075"/>
       </p:ext>
     </p:extLst>
   </p:cSld>
@@ -3452,7 +3432,7 @@
             <a:fld id="{53074F12-AA26-4AC8-9962-C36BB8F32554}" type="datetimeFigureOut">
               <a:rPr lang="en-US" smtClean="0"/>
               <a:pPr/>
-              <a:t>10/27/2021</a:t>
+              <a:t>8/9/2022</a:t>
             </a:fld>
             <a:endParaRPr lang="en-US"/>
           </a:p>
@@ -3504,7 +3484,7 @@
     </p:spTree>
     <p:extLst>
       <p:ext uri="{BB962C8B-B14F-4D97-AF65-F5344CB8AC3E}">
-        <p14:creationId xmlns="" xmlns:p14="http://schemas.microsoft.com/office/powerpoint/2010/main" val="3174452648"/>
+        <p14:creationId xmlns:p14="http://schemas.microsoft.com/office/powerpoint/2010/main" val="3174452648"/>
       </p:ext>
     </p:extLst>
   </p:cSld>
@@ -3674,7 +3654,7 @@
             <a:fld id="{53074F12-AA26-4AC8-9962-C36BB8F32554}" type="datetimeFigureOut">
               <a:rPr lang="en-US" smtClean="0"/>
               <a:pPr/>
-              <a:t>10/27/2021</a:t>
+              <a:t>8/9/2022</a:t>
             </a:fld>
             <a:endParaRPr lang="en-US"/>
           </a:p>
@@ -3764,7 +3744,7 @@
           <p:cNvPr id="7" name="TextBox 6">
             <a:extLst>
               <a:ext uri="{FF2B5EF4-FFF2-40B4-BE49-F238E27FC236}">
-                <a16:creationId xmlns:a16="http://schemas.microsoft.com/office/drawing/2014/main" xmlns="" id="{11E867DF-3DCA-4725-94F0-F2B6BD747A82}"/>
+                <a16:creationId xmlns:a16="http://schemas.microsoft.com/office/drawing/2014/main" id="{11E867DF-3DCA-4725-94F0-F2B6BD747A82}"/>
               </a:ext>
             </a:extLst>
           </p:cNvPr>
@@ -3815,7 +3795,7 @@
     </p:spTree>
     <p:extLst>
       <p:ext uri="{BB962C8B-B14F-4D97-AF65-F5344CB8AC3E}">
-        <p14:creationId xmlns="" xmlns:p14="http://schemas.microsoft.com/office/powerpoint/2010/main" val="1944039382"/>
+        <p14:creationId xmlns:p14="http://schemas.microsoft.com/office/powerpoint/2010/main" val="1944039382"/>
       </p:ext>
     </p:extLst>
   </p:cSld>
@@ -4127,7 +4107,7 @@
           <a:lstStyle/>
           <a:p>
             <a:r>
-              <a:rPr lang="de-DE" dirty="0" smtClean="0"/>
+              <a:rPr lang="de-DE" dirty="0"/>
               <a:t>MyFitnessTracker	</a:t>
             </a:r>
             <a:endParaRPr lang="en-US" dirty="0"/>
@@ -4152,16 +4132,16 @@
         </p:spPr>
         <p:txBody>
           <a:bodyPr>
-            <a:normAutofit fontScale="47500" lnSpcReduction="20000"/>
+            <a:normAutofit fontScale="70000" lnSpcReduction="20000"/>
           </a:bodyPr>
           <a:lstStyle/>
           <a:p>
             <a:r>
-              <a:rPr lang="de-DE" dirty="0" smtClean="0"/>
+              <a:rPr lang="de-DE" dirty="0"/>
               <a:t>		                     </a:t>
             </a:r>
             <a:r>
-              <a:rPr lang="de-DE" dirty="0" smtClean="0">
+              <a:rPr lang="de-DE" dirty="0">
                 <a:solidFill>
                   <a:srgbClr val="5EEC3C"/>
                 </a:solidFill>
@@ -4169,7 +4149,7 @@
               <a:t>Contributors: </a:t>
             </a:r>
             <a:r>
-              <a:rPr lang="de-DE" dirty="0" smtClean="0">
+              <a:rPr lang="de-DE" dirty="0">
                 <a:solidFill>
                   <a:schemeClr val="bg1"/>
                 </a:solidFill>
@@ -4179,17 +4159,7 @@
           </a:p>
           <a:p>
             <a:r>
-              <a:rPr lang="de-DE" dirty="0" smtClean="0">
-                <a:solidFill>
-                  <a:schemeClr val="bg1"/>
-                </a:solidFill>
-              </a:rPr>
-              <a:t>Gozal Henggardhani</a:t>
-            </a:r>
-          </a:p>
-          <a:p>
-            <a:r>
-              <a:rPr lang="de-DE" dirty="0" smtClean="0">
+              <a:rPr lang="de-DE" dirty="0">
                 <a:solidFill>
                   <a:schemeClr val="bg1"/>
                 </a:solidFill>
@@ -4199,7 +4169,7 @@
           </a:p>
           <a:p>
             <a:pPr algn="ctr"/>
-            <a:endParaRPr lang="de-DE" dirty="0" smtClean="0"/>
+            <a:endParaRPr lang="de-DE" dirty="0"/>
           </a:p>
           <a:p>
             <a:pPr algn="ctr"/>
@@ -4231,7 +4201,7 @@
           <a:p>
             <a:pPr algn="ctr"/>
             <a:r>
-              <a:rPr lang="de-DE" dirty="0" smtClean="0">
+              <a:rPr lang="de-DE" dirty="0">
                 <a:solidFill>
                   <a:srgbClr val="5EEC3C"/>
                 </a:solidFill>
@@ -4239,38 +4209,26 @@
               <a:t>Presented By : </a:t>
             </a:r>
             <a:r>
-              <a:rPr lang="de-DE" dirty="0" smtClean="0">
+              <a:rPr lang="de-DE" dirty="0">
                 <a:solidFill>
                   <a:schemeClr val="bg1"/>
                 </a:solidFill>
               </a:rPr>
               <a:t>Team Paladins</a:t>
             </a:r>
-            <a:endParaRPr lang="de-DE" dirty="0">
-              <a:solidFill>
-                <a:schemeClr val="bg1"/>
-              </a:solidFill>
-            </a:endParaRPr>
           </a:p>
         </p:txBody>
       </p:sp>
     </p:spTree>
     <p:extLst>
       <p:ext uri="{BB962C8B-B14F-4D97-AF65-F5344CB8AC3E}">
-        <p14:creationId xmlns="" xmlns:p14="http://schemas.microsoft.com/office/powerpoint/2010/main" val="363920370"/>
+        <p14:creationId xmlns:p14="http://schemas.microsoft.com/office/powerpoint/2010/main" val="363920370"/>
       </p:ext>
     </p:extLst>
   </p:cSld>
   <p:clrMapOvr>
     <a:masterClrMapping/>
   </p:clrMapOvr>
-  <p:timing>
-    <p:tnLst>
-      <p:par>
-        <p:cTn id="1" dur="indefinite" restart="never" nodeType="tmRoot"/>
-      </p:par>
-    </p:tnLst>
-  </p:timing>
 </p:sld>
 </file>
 
@@ -4307,50 +4265,49 @@
           <a:lstStyle/>
           <a:p>
             <a:r>
-              <a:rPr lang="de-DE" dirty="0" smtClean="0"/>
+              <a:rPr lang="de-DE" dirty="0"/>
               <a:t>Idealistic Goal:</a:t>
             </a:r>
+          </a:p>
+        </p:txBody>
+      </p:sp>
+      <p:sp>
+        <p:nvSpPr>
+          <p:cNvPr id="3" name="Content Placeholder 2"/>
+          <p:cNvSpPr>
+            <a:spLocks noGrp="1"/>
+          </p:cNvSpPr>
+          <p:nvPr>
+            <p:ph idx="1"/>
+          </p:nvPr>
+        </p:nvSpPr>
+        <p:spPr/>
+        <p:txBody>
+          <a:bodyPr/>
+          <a:lstStyle/>
+          <a:p>
+            <a:r>
+              <a:rPr lang="de-DE" dirty="0"/>
+              <a:t>We have seen the worst phase of our life facing the pandemic and strict to our homes.</a:t>
+            </a:r>
+          </a:p>
+          <a:p>
+            <a:r>
+              <a:rPr lang="de-DE" dirty="0"/>
+              <a:t>How and Where to do the workouts?</a:t>
+            </a:r>
+          </a:p>
+          <a:p>
+            <a:r>
+              <a:rPr lang="de-DE" dirty="0"/>
+              <a:t>Do not fear, MyFitnessTracker has a solution for you.</a:t>
+            </a:r>
+          </a:p>
+          <a:p>
+            <a:pPr>
+              <a:buNone/>
+            </a:pPr>
             <a:endParaRPr lang="de-DE" dirty="0"/>
-          </a:p>
-        </p:txBody>
-      </p:sp>
-      <p:sp>
-        <p:nvSpPr>
-          <p:cNvPr id="3" name="Content Placeholder 2"/>
-          <p:cNvSpPr>
-            <a:spLocks noGrp="1"/>
-          </p:cNvSpPr>
-          <p:nvPr>
-            <p:ph idx="1"/>
-          </p:nvPr>
-        </p:nvSpPr>
-        <p:spPr/>
-        <p:txBody>
-          <a:bodyPr/>
-          <a:lstStyle/>
-          <a:p>
-            <a:r>
-              <a:rPr lang="de-DE" dirty="0" smtClean="0"/>
-              <a:t>We have seen the worst phase of our life facing the pandemic and strict to our homes.</a:t>
-            </a:r>
-          </a:p>
-          <a:p>
-            <a:r>
-              <a:rPr lang="de-DE" dirty="0" smtClean="0"/>
-              <a:t>How and Where to do the workouts?</a:t>
-            </a:r>
-          </a:p>
-          <a:p>
-            <a:r>
-              <a:rPr lang="de-DE" dirty="0" smtClean="0"/>
-              <a:t>Do not fear, MyFitnessTracker has a solution for you.</a:t>
-            </a:r>
-          </a:p>
-          <a:p>
-            <a:pPr>
-              <a:buNone/>
-            </a:pPr>
-            <a:endParaRPr lang="de-DE" dirty="0" smtClean="0"/>
           </a:p>
           <a:p>
             <a:pPr>
@@ -4365,13 +4322,6 @@
   <p:clrMapOvr>
     <a:masterClrMapping/>
   </p:clrMapOvr>
-  <p:timing>
-    <p:tnLst>
-      <p:par>
-        <p:cTn id="1" dur="indefinite" restart="never" nodeType="tmRoot"/>
-      </p:par>
-    </p:tnLst>
-  </p:timing>
 </p:sld>
 </file>
 
@@ -4408,10 +4358,9 @@
           <a:lstStyle/>
           <a:p>
             <a:r>
-              <a:rPr lang="de-DE" dirty="0" smtClean="0"/>
+              <a:rPr lang="de-DE" dirty="0"/>
               <a:t>Proof of Concept</a:t>
             </a:r>
-            <a:endParaRPr lang="de-DE" dirty="0"/>
           </a:p>
         </p:txBody>
       </p:sp>
@@ -4436,31 +4385,31 @@
               <a:buNone/>
             </a:pPr>
             <a:r>
-              <a:rPr lang="de-DE" dirty="0" smtClean="0"/>
+              <a:rPr lang="de-DE" dirty="0"/>
               <a:t>Back ground work :</a:t>
             </a:r>
           </a:p>
           <a:p>
             <a:r>
-              <a:rPr lang="de-DE" dirty="0" smtClean="0"/>
+              <a:rPr lang="de-DE" dirty="0"/>
               <a:t>Generating the data</a:t>
             </a:r>
           </a:p>
           <a:p>
             <a:r>
-              <a:rPr lang="de-DE" dirty="0" smtClean="0"/>
+              <a:rPr lang="de-DE" dirty="0"/>
               <a:t>Building a Deep Learning Classifier </a:t>
             </a:r>
           </a:p>
           <a:p>
             <a:r>
-              <a:rPr lang="de-DE" dirty="0" smtClean="0"/>
+              <a:rPr lang="de-DE" dirty="0"/>
               <a:t>Pass the Classfier to Media Pipe</a:t>
             </a:r>
           </a:p>
           <a:p>
             <a:r>
-              <a:rPr lang="de-DE" dirty="0" smtClean="0"/>
+              <a:rPr lang="de-DE" dirty="0"/>
               <a:t>Tracks the count, duration and calories</a:t>
             </a:r>
           </a:p>
@@ -4469,24 +4418,24 @@
               <a:buNone/>
             </a:pPr>
             <a:r>
-              <a:rPr lang="de-DE" dirty="0" smtClean="0"/>
+              <a:rPr lang="de-DE" dirty="0"/>
               <a:t>Ouptut :</a:t>
             </a:r>
           </a:p>
           <a:p>
             <a:r>
-              <a:rPr lang="de-DE" dirty="0" smtClean="0"/>
+              <a:rPr lang="de-DE" dirty="0"/>
               <a:t> Deploy to the App</a:t>
             </a:r>
           </a:p>
           <a:p>
             <a:r>
-              <a:rPr lang="de-DE" dirty="0" smtClean="0"/>
+              <a:rPr lang="de-DE" dirty="0"/>
               <a:t> Check the Result</a:t>
             </a:r>
           </a:p>
           <a:p>
-            <a:endParaRPr lang="de-DE" dirty="0" smtClean="0"/>
+            <a:endParaRPr lang="de-DE" dirty="0"/>
           </a:p>
         </p:txBody>
       </p:sp>
@@ -4495,13 +4444,6 @@
   <p:clrMapOvr>
     <a:masterClrMapping/>
   </p:clrMapOvr>
-  <p:timing>
-    <p:tnLst>
-      <p:par>
-        <p:cTn id="1" dur="indefinite" restart="never" nodeType="tmRoot"/>
-      </p:par>
-    </p:tnLst>
-  </p:timing>
 </p:sld>
 </file>
 
@@ -4540,10 +4482,9 @@
           <a:lstStyle/>
           <a:p>
             <a:r>
-              <a:rPr lang="en-US" dirty="0" smtClean="0"/>
+              <a:rPr lang="en-US" dirty="0"/>
               <a:t>Pre-Process</a:t>
             </a:r>
-            <a:endParaRPr lang="en-US" dirty="0"/>
           </a:p>
         </p:txBody>
       </p:sp>
@@ -4568,10 +4509,9 @@
           <a:lstStyle/>
           <a:p>
             <a:r>
-              <a:rPr lang="en-US" dirty="0" smtClean="0"/>
+              <a:rPr lang="en-US" dirty="0"/>
               <a:t>Data Generation</a:t>
             </a:r>
-            <a:endParaRPr lang="en-US" dirty="0"/>
           </a:p>
         </p:txBody>
       </p:sp>
@@ -4599,21 +4539,21 @@
           <a:p>
             <a:pPr algn="l"/>
             <a:r>
-              <a:rPr lang="en-US" dirty="0" smtClean="0"/>
+              <a:rPr lang="en-US" dirty="0"/>
               <a:t>Image extracted from online Youtube videos</a:t>
             </a:r>
           </a:p>
           <a:p>
             <a:pPr algn="l"/>
             <a:r>
-              <a:rPr lang="en-US" dirty="0" smtClean="0"/>
+              <a:rPr lang="en-US" dirty="0"/>
               <a:t>500 images of PushUp &amp; Situp extracted </a:t>
             </a:r>
           </a:p>
           <a:p>
             <a:pPr algn="l"/>
             <a:r>
-              <a:rPr lang="en-US" dirty="0" smtClean="0"/>
+              <a:rPr lang="en-US" dirty="0"/>
               <a:t>Image is converted to skeleton image using OpenCv</a:t>
             </a:r>
           </a:p>
@@ -4621,7 +4561,7 @@
             <a:pPr algn="l">
               <a:buNone/>
             </a:pPr>
-            <a:endParaRPr lang="en-US" dirty="0" smtClean="0"/>
+            <a:endParaRPr lang="en-US" dirty="0"/>
           </a:p>
           <a:p>
             <a:pPr algn="l"/>
@@ -4899,7 +4839,7 @@
     </p:spTree>
     <p:extLst>
       <p:ext uri="{BB962C8B-B14F-4D97-AF65-F5344CB8AC3E}">
-        <p14:creationId xmlns="" xmlns:p14="http://schemas.microsoft.com/office/powerpoint/2010/main" val="4170783713"/>
+        <p14:creationId xmlns:p14="http://schemas.microsoft.com/office/powerpoint/2010/main" val="4170783713"/>
       </p:ext>
     </p:extLst>
   </p:cSld>
@@ -5095,10 +5035,9 @@
           <a:lstStyle/>
           <a:p>
             <a:r>
-              <a:rPr lang="en-US" dirty="0" smtClean="0"/>
+              <a:rPr lang="en-US" dirty="0"/>
               <a:t> </a:t>
             </a:r>
-            <a:endParaRPr lang="en-US" dirty="0"/>
           </a:p>
         </p:txBody>
       </p:sp>
@@ -5123,10 +5062,9 @@
           <a:lstStyle/>
           <a:p>
             <a:r>
-              <a:rPr lang="en-US" dirty="0" smtClean="0"/>
+              <a:rPr lang="en-US" dirty="0"/>
               <a:t>CNN Classifier</a:t>
             </a:r>
-            <a:endParaRPr lang="en-US" dirty="0"/>
           </a:p>
         </p:txBody>
       </p:sp>
@@ -5154,31 +5092,31 @@
           <a:p>
             <a:pPr algn="l"/>
             <a:r>
-              <a:rPr lang="en-US" dirty="0" smtClean="0"/>
+              <a:rPr lang="en-US" dirty="0"/>
               <a:t>Pytorch Library is used to build the model.</a:t>
             </a:r>
           </a:p>
           <a:p>
             <a:pPr algn="l"/>
             <a:r>
-              <a:rPr lang="en-US" dirty="0" smtClean="0"/>
+              <a:rPr lang="en-US" dirty="0"/>
               <a:t>CNN classifier is train with the preprocessed data.</a:t>
             </a:r>
           </a:p>
           <a:p>
             <a:pPr algn="l"/>
             <a:r>
-              <a:rPr lang="en-US" dirty="0" smtClean="0"/>
+              <a:rPr lang="en-US" dirty="0"/>
               <a:t>Best Model is saved and used for post process and passing to the Media Pipe.</a:t>
             </a:r>
           </a:p>
           <a:p>
             <a:pPr algn="l"/>
-            <a:endParaRPr lang="en-US" dirty="0" smtClean="0"/>
+            <a:endParaRPr lang="en-US" dirty="0"/>
           </a:p>
           <a:p>
             <a:pPr algn="l"/>
-            <a:endParaRPr lang="en-US" dirty="0" smtClean="0"/>
+            <a:endParaRPr lang="en-US" dirty="0"/>
           </a:p>
           <a:p>
             <a:pPr algn="l"/>
@@ -5258,7 +5196,7 @@
     </p:spTree>
     <p:extLst>
       <p:ext uri="{BB962C8B-B14F-4D97-AF65-F5344CB8AC3E}">
-        <p14:creationId xmlns="" xmlns:p14="http://schemas.microsoft.com/office/powerpoint/2010/main" val="4170783713"/>
+        <p14:creationId xmlns:p14="http://schemas.microsoft.com/office/powerpoint/2010/main" val="4170783713"/>
       </p:ext>
     </p:extLst>
   </p:cSld>
@@ -5266,13 +5204,6 @@
     <a:masterClrMapping/>
   </p:clrMapOvr>
   <p:transition/>
-  <p:timing>
-    <p:tnLst>
-      <p:par>
-        <p:cTn id="1" dur="indefinite" restart="never" nodeType="tmRoot"/>
-      </p:par>
-    </p:tnLst>
-  </p:timing>
 </p:sld>
 </file>
 
@@ -5309,10 +5240,9 @@
           <a:lstStyle/>
           <a:p>
             <a:r>
-              <a:rPr lang="de-DE" dirty="0" smtClean="0"/>
+              <a:rPr lang="de-DE" dirty="0"/>
               <a:t>Media Pipe</a:t>
             </a:r>
-            <a:endParaRPr lang="de-DE" dirty="0"/>
           </a:p>
         </p:txBody>
       </p:sp>
@@ -5332,10 +5262,9 @@
           <a:lstStyle/>
           <a:p>
             <a:r>
-              <a:rPr lang="de-DE" dirty="0" smtClean="0"/>
+              <a:rPr lang="de-DE" dirty="0"/>
               <a:t>OpenCv</a:t>
             </a:r>
-            <a:endParaRPr lang="de-DE" dirty="0"/>
           </a:p>
         </p:txBody>
       </p:sp>
@@ -5387,14 +5316,14 @@
           <a:p>
             <a:pPr algn="l"/>
             <a:r>
-              <a:rPr lang="en-US" dirty="0" smtClean="0"/>
+              <a:rPr lang="en-US" dirty="0"/>
               <a:t>Here we pass the classifier to the Media Pipe.</a:t>
             </a:r>
           </a:p>
           <a:p>
             <a:pPr algn="l"/>
             <a:r>
-              <a:rPr lang="en-US" dirty="0" smtClean="0"/>
+              <a:rPr lang="en-US" dirty="0"/>
               <a:t>We can track the workout counts, duration and Calories burnt</a:t>
             </a:r>
           </a:p>
@@ -5402,15 +5331,15 @@
             <a:pPr algn="l">
               <a:buNone/>
             </a:pPr>
-            <a:endParaRPr lang="en-US" dirty="0" smtClean="0"/>
+            <a:endParaRPr lang="en-US" dirty="0"/>
           </a:p>
           <a:p>
             <a:pPr algn="l"/>
-            <a:endParaRPr lang="en-US" dirty="0" smtClean="0"/>
+            <a:endParaRPr lang="en-US" dirty="0"/>
           </a:p>
           <a:p>
             <a:pPr algn="l"/>
-            <a:endParaRPr lang="en-US" dirty="0" smtClean="0"/>
+            <a:endParaRPr lang="en-US" dirty="0"/>
           </a:p>
           <a:p>
             <a:pPr algn="l"/>
@@ -5423,13 +5352,6 @@
   <p:clrMapOvr>
     <a:masterClrMapping/>
   </p:clrMapOvr>
-  <p:timing>
-    <p:tnLst>
-      <p:par>
-        <p:cTn id="1" dur="indefinite" restart="never" nodeType="tmRoot"/>
-      </p:par>
-    </p:tnLst>
-  </p:timing>
 </p:sld>
 </file>
 
@@ -5466,10 +5388,9 @@
           <a:lstStyle/>
           <a:p>
             <a:r>
-              <a:rPr lang="de-DE" dirty="0" smtClean="0"/>
+              <a:rPr lang="de-DE" dirty="0"/>
               <a:t>Demo</a:t>
             </a:r>
-            <a:endParaRPr lang="de-DE" dirty="0"/>
           </a:p>
         </p:txBody>
       </p:sp>
@@ -5740,13 +5661,6 @@
   <p:clrMapOvr>
     <a:masterClrMapping/>
   </p:clrMapOvr>
-  <p:timing>
-    <p:tnLst>
-      <p:par>
-        <p:cTn id="1" dur="indefinite" restart="never" nodeType="tmRoot"/>
-      </p:par>
-    </p:tnLst>
-  </p:timing>
 </p:sld>
 </file>
 
@@ -6324,7 +6238,7 @@
   <a:extraClrSchemeLst/>
   <a:extLst>
     <a:ext uri="{05A4C25C-085E-4340-85A3-A5531E510DB2}">
-      <thm15:themeFamily xmlns:thm15="http://schemas.microsoft.com/office/thememl/2012/main" xmlns="" name="Office Theme" id="{62F939B6-93AF-4DB8-9C6B-D6C7DFDC589F}" vid="{4A3C46E8-61CC-4603-A589-7422A47A8E4A}"/>
+      <thm15:themeFamily xmlns:thm15="http://schemas.microsoft.com/office/thememl/2012/main" name="Office Theme" id="{62F939B6-93AF-4DB8-9C6B-D6C7DFDC589F}" vid="{4A3C46E8-61CC-4603-A589-7422A47A8E4A}"/>
     </a:ext>
   </a:extLst>
 </a:theme>
